--- a/EXP3/实验3-pthread线程同步的实现及其应用.pptx
+++ b/EXP3/实验3-pthread线程同步的实现及其应用.pptx
@@ -4008,7 +4008,7 @@
               <a:defRPr/>
             </a:pPr>
             <a:r>
-              <a:rPr lang="zh-CN" altLang="en-US"/>
+              <a:rPr lang="zh-CN" altLang="en-US" dirty="0"/>
               <a:t>阻塞等待</a:t>
             </a:r>
             <a:endParaRPr lang="en-US" altLang="zh-CN" dirty="0"/>
